--- a/doc/masters/modules.pptx
+++ b/doc/masters/modules.pptx
@@ -288,7 +288,7 @@
           <a:p>
             <a:fld id="{1A19F2B4-5B4D-FB49-BAB8-7377D6D56229}" type="datetimeFigureOut">
               <a:rPr lang="en-US" smtClean="0"/>
-              <a:t>5/30/12</a:t>
+              <a:t>3/9/15</a:t>
             </a:fld>
             <a:endParaRPr lang="en-US"/>
           </a:p>
@@ -453,7 +453,7 @@
           <a:p>
             <a:fld id="{1A19F2B4-5B4D-FB49-BAB8-7377D6D56229}" type="datetimeFigureOut">
               <a:rPr lang="en-US" smtClean="0"/>
-              <a:t>5/30/12</a:t>
+              <a:t>3/9/15</a:t>
             </a:fld>
             <a:endParaRPr lang="en-US"/>
           </a:p>
@@ -628,7 +628,7 @@
           <a:p>
             <a:fld id="{1A19F2B4-5B4D-FB49-BAB8-7377D6D56229}" type="datetimeFigureOut">
               <a:rPr lang="en-US" smtClean="0"/>
-              <a:t>5/30/12</a:t>
+              <a:t>3/9/15</a:t>
             </a:fld>
             <a:endParaRPr lang="en-US"/>
           </a:p>
@@ -793,7 +793,7 @@
           <a:p>
             <a:fld id="{1A19F2B4-5B4D-FB49-BAB8-7377D6D56229}" type="datetimeFigureOut">
               <a:rPr lang="en-US" smtClean="0"/>
-              <a:t>5/30/12</a:t>
+              <a:t>3/9/15</a:t>
             </a:fld>
             <a:endParaRPr lang="en-US"/>
           </a:p>
@@ -1034,7 +1034,7 @@
           <a:p>
             <a:fld id="{1A19F2B4-5B4D-FB49-BAB8-7377D6D56229}" type="datetimeFigureOut">
               <a:rPr lang="en-US" smtClean="0"/>
-              <a:t>5/30/12</a:t>
+              <a:t>3/9/15</a:t>
             </a:fld>
             <a:endParaRPr lang="en-US"/>
           </a:p>
@@ -1317,7 +1317,7 @@
           <a:p>
             <a:fld id="{1A19F2B4-5B4D-FB49-BAB8-7377D6D56229}" type="datetimeFigureOut">
               <a:rPr lang="en-US" smtClean="0"/>
-              <a:t>5/30/12</a:t>
+              <a:t>3/9/15</a:t>
             </a:fld>
             <a:endParaRPr lang="en-US"/>
           </a:p>
@@ -1734,7 +1734,7 @@
           <a:p>
             <a:fld id="{1A19F2B4-5B4D-FB49-BAB8-7377D6D56229}" type="datetimeFigureOut">
               <a:rPr lang="en-US" smtClean="0"/>
-              <a:t>5/30/12</a:t>
+              <a:t>3/9/15</a:t>
             </a:fld>
             <a:endParaRPr lang="en-US"/>
           </a:p>
@@ -1847,7 +1847,7 @@
           <a:p>
             <a:fld id="{1A19F2B4-5B4D-FB49-BAB8-7377D6D56229}" type="datetimeFigureOut">
               <a:rPr lang="en-US" smtClean="0"/>
-              <a:t>5/30/12</a:t>
+              <a:t>3/9/15</a:t>
             </a:fld>
             <a:endParaRPr lang="en-US"/>
           </a:p>
@@ -1937,7 +1937,7 @@
           <a:p>
             <a:fld id="{1A19F2B4-5B4D-FB49-BAB8-7377D6D56229}" type="datetimeFigureOut">
               <a:rPr lang="en-US" smtClean="0"/>
-              <a:t>5/30/12</a:t>
+              <a:t>3/9/15</a:t>
             </a:fld>
             <a:endParaRPr lang="en-US"/>
           </a:p>
@@ -2209,7 +2209,7 @@
           <a:p>
             <a:fld id="{1A19F2B4-5B4D-FB49-BAB8-7377D6D56229}" type="datetimeFigureOut">
               <a:rPr lang="en-US" smtClean="0"/>
-              <a:t>5/30/12</a:t>
+              <a:t>3/9/15</a:t>
             </a:fld>
             <a:endParaRPr lang="en-US"/>
           </a:p>
@@ -2457,7 +2457,7 @@
           <a:p>
             <a:fld id="{1A19F2B4-5B4D-FB49-BAB8-7377D6D56229}" type="datetimeFigureOut">
               <a:rPr lang="en-US" smtClean="0"/>
-              <a:t>5/30/12</a:t>
+              <a:t>3/9/15</a:t>
             </a:fld>
             <a:endParaRPr lang="en-US"/>
           </a:p>
@@ -2665,7 +2665,7 @@
           <a:p>
             <a:fld id="{1A19F2B4-5B4D-FB49-BAB8-7377D6D56229}" type="datetimeFigureOut">
               <a:rPr lang="en-US" smtClean="0"/>
-              <a:t>5/30/12</a:t>
+              <a:t>3/9/15</a:t>
             </a:fld>
             <a:endParaRPr lang="en-US"/>
           </a:p>
@@ -3119,8 +3119,8 @@
         </p:nvSpPr>
         <p:spPr>
           <a:xfrm>
-            <a:off x="6705600" y="1189286"/>
-            <a:ext cx="329419" cy="2642753"/>
+            <a:off x="6705600" y="1523195"/>
+            <a:ext cx="329419" cy="2399514"/>
           </a:xfrm>
           <a:prstGeom prst="rect">
             <a:avLst/>
@@ -3376,7 +3376,6 @@
               <a:rPr lang="en-US" sz="1400" b="1" dirty="0" smtClean="0"/>
               <a:t>ESP</a:t>
             </a:r>
-            <a:endParaRPr lang="en-US" sz="1400" b="1" dirty="0" smtClean="0"/>
           </a:p>
         </p:txBody>
       </p:sp>
@@ -3488,7 +3487,6 @@
               <a:rPr lang="en-US" sz="1400" b="1" dirty="0" smtClean="0"/>
               <a:t>PHP</a:t>
             </a:r>
-            <a:endParaRPr lang="en-US" sz="1400" b="1" dirty="0" smtClean="0"/>
           </a:p>
         </p:txBody>
       </p:sp>
